--- a/Seance_ATtiny85/Slides/ATTiny85.pptx
+++ b/Seance_ATtiny85/Slides/ATTiny85.pptx
@@ -291,7 +291,7 @@
               <a:pPr>
                 <a:defRPr/>
               </a:pPr>
-              <a:t>14/12/2018</a:t>
+              <a:t>18/12/2019</a:t>
             </a:fld>
             <a:endParaRPr lang="fr-BE" dirty="0"/>
           </a:p>
@@ -524,7 +524,7 @@
               <a:pPr>
                 <a:defRPr/>
               </a:pPr>
-              <a:t>14/12/2018</a:t>
+              <a:t>18/12/2019</a:t>
             </a:fld>
             <a:endParaRPr lang="fr-BE" dirty="0"/>
           </a:p>
@@ -17423,7 +17423,7 @@
                 <a:ea typeface="Calibri" pitchFamily="34" charset="0"/>
                 <a:cs typeface="Times New Roman" pitchFamily="18" charset="0"/>
               </a:rPr>
-              <a:t>Du lundi au jeudi de 14h à 18h, Monsieur </a:t>
+              <a:t>Du mardi et mercredi de 14h à 18h, Monsieur </a:t>
             </a:r>
             <a:r>
               <a:rPr lang="fr-BE" sz="2800" dirty="0" err="1">
@@ -21666,7 +21666,7 @@
                   <a:schemeClr val="tx1"/>
                 </a:solidFill>
               </a:rPr>
-              <a:t>Cliquer dessus et installer la version la plus récente (à ce jour 1.2.2)</a:t>
+              <a:t>Cliquer dessus et installer la version la plus récente (à ce jour 1.3.3)</a:t>
             </a:r>
           </a:p>
           <a:p>

--- a/Seance_ATtiny85/Slides/ATTiny85.pptx
+++ b/Seance_ATtiny85/Slides/ATTiny85.pptx
@@ -167,6 +167,96 @@
 </p:presentation>
 </file>
 
+<file path=ppt/revisionInfo.xml><?xml version="1.0" encoding="utf-8"?>
+<p1510:revInfo xmlns:a="http://schemas.openxmlformats.org/drawingml/2006/main" xmlns:r="http://schemas.openxmlformats.org/officeDocument/2006/relationships" xmlns:p1510="http://schemas.microsoft.com/office/powerpoint/2015/10/main">
+  <p1510:revLst>
+    <p1510:client id="{FD2EF707-AEB6-45B2-9836-670920432C01}" v="1" dt="2021-12-21T16:59:48.214"/>
+  </p1510:revLst>
+</p1510:revInfo>
+</file>
+
+<file path=ppt/changesInfos/changesInfo1.xml><?xml version="1.0" encoding="utf-8"?>
+<pc:chgInfo xmlns:a="http://schemas.openxmlformats.org/drawingml/2006/main" xmlns:r="http://schemas.openxmlformats.org/officeDocument/2006/relationships" xmlns:ac="http://schemas.microsoft.com/office/drawing/2013/main/command" xmlns:pc="http://schemas.microsoft.com/office/powerpoint/2013/main/command">
+  <pc:docChgLst>
+    <pc:chgData name="Vincent STRAGIER" userId="0e808ee5-4c19-411d-ab00-866475c216d7" providerId="ADAL" clId="{FD2EF707-AEB6-45B2-9836-670920432C01}"/>
+    <pc:docChg chg="modSld">
+      <pc:chgData name="Vincent STRAGIER" userId="0e808ee5-4c19-411d-ab00-866475c216d7" providerId="ADAL" clId="{FD2EF707-AEB6-45B2-9836-670920432C01}" dt="2021-12-21T16:59:48.213" v="112" actId="1076"/>
+      <pc:docMkLst>
+        <pc:docMk/>
+      </pc:docMkLst>
+      <pc:sldChg chg="modSp mod">
+        <pc:chgData name="Vincent STRAGIER" userId="0e808ee5-4c19-411d-ab00-866475c216d7" providerId="ADAL" clId="{FD2EF707-AEB6-45B2-9836-670920432C01}" dt="2021-12-21T16:59:48.213" v="112" actId="1076"/>
+        <pc:sldMkLst>
+          <pc:docMk/>
+          <pc:sldMk cId="0" sldId="261"/>
+        </pc:sldMkLst>
+        <pc:spChg chg="mod">
+          <ac:chgData name="Vincent STRAGIER" userId="0e808ee5-4c19-411d-ab00-866475c216d7" providerId="ADAL" clId="{FD2EF707-AEB6-45B2-9836-670920432C01}" dt="2021-12-21T16:59:48.213" v="112" actId="1076"/>
+          <ac:spMkLst>
+            <pc:docMk/>
+            <pc:sldMk cId="0" sldId="261"/>
+            <ac:spMk id="23556" creationId="{0AB4D4FD-3E76-423B-A494-FD08DB46DBED}"/>
+          </ac:spMkLst>
+        </pc:spChg>
+        <pc:spChg chg="mod">
+          <ac:chgData name="Vincent STRAGIER" userId="0e808ee5-4c19-411d-ab00-866475c216d7" providerId="ADAL" clId="{FD2EF707-AEB6-45B2-9836-670920432C01}" dt="2021-12-21T16:59:37.167" v="111" actId="20577"/>
+          <ac:spMkLst>
+            <pc:docMk/>
+            <pc:sldMk cId="0" sldId="261"/>
+            <ac:spMk id="23557" creationId="{60CAEEF1-EA59-444D-9B7B-95959D2C144B}"/>
+          </ac:spMkLst>
+        </pc:spChg>
+      </pc:sldChg>
+      <pc:sldChg chg="modSp mod">
+        <pc:chgData name="Vincent STRAGIER" userId="0e808ee5-4c19-411d-ab00-866475c216d7" providerId="ADAL" clId="{FD2EF707-AEB6-45B2-9836-670920432C01}" dt="2021-12-21T14:40:04.518" v="0" actId="20577"/>
+        <pc:sldMkLst>
+          <pc:docMk/>
+          <pc:sldMk cId="1797237616" sldId="285"/>
+        </pc:sldMkLst>
+        <pc:spChg chg="mod">
+          <ac:chgData name="Vincent STRAGIER" userId="0e808ee5-4c19-411d-ab00-866475c216d7" providerId="ADAL" clId="{FD2EF707-AEB6-45B2-9836-670920432C01}" dt="2021-12-21T14:40:04.518" v="0" actId="20577"/>
+          <ac:spMkLst>
+            <pc:docMk/>
+            <pc:sldMk cId="1797237616" sldId="285"/>
+            <ac:spMk id="2" creationId="{AF396069-45DD-467D-8A53-1C1AD76DA373}"/>
+          </ac:spMkLst>
+        </pc:spChg>
+      </pc:sldChg>
+      <pc:sldChg chg="modSp mod">
+        <pc:chgData name="Vincent STRAGIER" userId="0e808ee5-4c19-411d-ab00-866475c216d7" providerId="ADAL" clId="{FD2EF707-AEB6-45B2-9836-670920432C01}" dt="2021-12-21T14:52:19.914" v="22" actId="20577"/>
+        <pc:sldMkLst>
+          <pc:docMk/>
+          <pc:sldMk cId="463619242" sldId="287"/>
+        </pc:sldMkLst>
+        <pc:spChg chg="mod">
+          <ac:chgData name="Vincent STRAGIER" userId="0e808ee5-4c19-411d-ab00-866475c216d7" providerId="ADAL" clId="{FD2EF707-AEB6-45B2-9836-670920432C01}" dt="2021-12-21T14:52:19.914" v="22" actId="20577"/>
+          <ac:spMkLst>
+            <pc:docMk/>
+            <pc:sldMk cId="463619242" sldId="287"/>
+            <ac:spMk id="2" creationId="{AF396069-45DD-467D-8A53-1C1AD76DA373}"/>
+          </ac:spMkLst>
+        </pc:spChg>
+      </pc:sldChg>
+      <pc:sldChg chg="modSp mod">
+        <pc:chgData name="Vincent STRAGIER" userId="0e808ee5-4c19-411d-ab00-866475c216d7" providerId="ADAL" clId="{FD2EF707-AEB6-45B2-9836-670920432C01}" dt="2021-12-21T14:53:51.816" v="34" actId="14100"/>
+        <pc:sldMkLst>
+          <pc:docMk/>
+          <pc:sldMk cId="430952128" sldId="291"/>
+        </pc:sldMkLst>
+        <pc:spChg chg="mod">
+          <ac:chgData name="Vincent STRAGIER" userId="0e808ee5-4c19-411d-ab00-866475c216d7" providerId="ADAL" clId="{FD2EF707-AEB6-45B2-9836-670920432C01}" dt="2021-12-21T14:53:51.816" v="34" actId="14100"/>
+          <ac:spMkLst>
+            <pc:docMk/>
+            <pc:sldMk cId="430952128" sldId="291"/>
+            <ac:spMk id="9" creationId="{9487766F-9DB0-4D81-81C4-DA59ED6084FC}"/>
+          </ac:spMkLst>
+        </pc:spChg>
+      </pc:sldChg>
+    </pc:docChg>
+  </pc:docChgLst>
+</pc:chgInfo>
+</file>
+
 <file path=ppt/handoutMasters/handoutMaster1.xml><?xml version="1.0" encoding="utf-8"?>
 <p:handoutMaster xmlns:a="http://schemas.openxmlformats.org/drawingml/2006/main" xmlns:r="http://schemas.openxmlformats.org/officeDocument/2006/relationships" xmlns:p="http://schemas.openxmlformats.org/presentationml/2006/main">
   <p:cSld>
@@ -291,7 +381,7 @@
               <a:pPr>
                 <a:defRPr/>
               </a:pPr>
-              <a:t>18/12/2019</a:t>
+              <a:t>21/12/2021</a:t>
             </a:fld>
             <a:endParaRPr lang="fr-BE" dirty="0"/>
           </a:p>
@@ -395,6 +485,11 @@
         </p:txBody>
       </p:sp>
     </p:spTree>
+    <p:extLst>
+      <p:ext uri="{BB962C8B-B14F-4D97-AF65-F5344CB8AC3E}">
+        <p14:creationId xmlns:p14="http://schemas.microsoft.com/office/powerpoint/2010/main" val="1"/>
+      </p:ext>
+    </p:extLst>
   </p:cSld>
   <p:clrMap bg1="lt1" tx1="dk1" bg2="lt2" tx2="dk2" accent1="accent1" accent2="accent2" accent3="accent3" accent4="accent4" accent5="accent5" accent6="accent6" hlink="hlink" folHlink="folHlink"/>
 </p:handoutMaster>
@@ -524,7 +619,7 @@
               <a:pPr>
                 <a:defRPr/>
               </a:pPr>
-              <a:t>18/12/2019</a:t>
+              <a:t>21/12/2021</a:t>
             </a:fld>
             <a:endParaRPr lang="fr-BE" dirty="0"/>
           </a:p>
@@ -13007,7 +13102,7 @@
         </p:nvSpPr>
         <p:spPr>
           <a:xfrm>
-            <a:off x="3234704" y="4904360"/>
+            <a:off x="3244229" y="5526087"/>
             <a:ext cx="6781800" cy="457200"/>
           </a:xfrm>
         </p:spPr>
@@ -13025,7 +13120,7 @@
             <a:pPr marL="0" indent="0"/>
             <a:r>
               <a:rPr lang="fr-BE" altLang="fr-FR" dirty="0"/>
-              <a:t>Édition 2018</a:t>
+              <a:t>Édition 2021</a:t>
             </a:r>
           </a:p>
         </p:txBody>
@@ -13059,7 +13154,14 @@
             <a:pPr marL="0" indent="0"/>
             <a:r>
               <a:rPr lang="fr-BE" altLang="fr-FR" dirty="0"/>
-              <a:t>Charles DEHOMBREUX, Vincent STRAGIER</a:t>
+              <a:t>Vincent STRAGIER, Yann JACQUET</a:t>
+            </a:r>
+          </a:p>
+          <a:p>
+            <a:pPr marL="0" indent="0"/>
+            <a:r>
+              <a:rPr lang="fr-BE" altLang="fr-FR" dirty="0"/>
+              <a:t>(+ Charles DEHOMBREUX)</a:t>
             </a:r>
           </a:p>
         </p:txBody>
@@ -17324,8 +17426,8 @@
         </p:nvSpPr>
         <p:spPr>
           <a:xfrm>
-            <a:off x="1192566" y="2292276"/>
-            <a:ext cx="10511754" cy="3969530"/>
+            <a:off x="1192565" y="2292276"/>
+            <a:ext cx="10668755" cy="3969530"/>
           </a:xfrm>
           <a:prstGeom prst="rect">
             <a:avLst/>
@@ -17368,84 +17470,7 @@
                 <a:ea typeface="Calibri" pitchFamily="34" charset="0"/>
                 <a:cs typeface="Times New Roman" pitchFamily="18" charset="0"/>
               </a:rPr>
-              <a:t>Nous sommes ouvert à tous, la majorité des mardis entre 18h et 20h.</a:t>
-            </a:r>
-          </a:p>
-          <a:p>
-            <a:pPr marL="342900" marR="0" indent="-342900" algn="l" defTabSz="914400" rtl="0" eaLnBrk="0" fontAlgn="base" latinLnBrk="0" hangingPunct="0">
-              <a:lnSpc>
-                <a:spcPct val="100000"/>
-              </a:lnSpc>
-              <a:spcBef>
-                <a:spcPct val="0"/>
-              </a:spcBef>
-              <a:spcAft>
-                <a:spcPct val="0"/>
-              </a:spcAft>
-              <a:buClrTx/>
-              <a:buSzTx/>
-              <a:buFont typeface="Arial" pitchFamily="34" charset="0"/>
-              <a:buNone/>
-              <a:tabLst/>
-            </a:pPr>
-            <a:endParaRPr lang="fr-BE" sz="2800" dirty="0">
-              <a:solidFill>
-                <a:srgbClr val="808080"/>
-              </a:solidFill>
-              <a:latin typeface="Calibri" pitchFamily="34" charset="0"/>
-              <a:ea typeface="Calibri" pitchFamily="34" charset="0"/>
-              <a:cs typeface="Times New Roman" pitchFamily="18" charset="0"/>
-            </a:endParaRPr>
-          </a:p>
-          <a:p>
-            <a:pPr marL="342900" marR="0" indent="-342900" algn="l" defTabSz="914400" rtl="0" eaLnBrk="0" fontAlgn="base" latinLnBrk="0" hangingPunct="0">
-              <a:lnSpc>
-                <a:spcPct val="100000"/>
-              </a:lnSpc>
-              <a:spcBef>
-                <a:spcPct val="0"/>
-              </a:spcBef>
-              <a:spcAft>
-                <a:spcPct val="0"/>
-              </a:spcAft>
-              <a:buClrTx/>
-              <a:buSzTx/>
-              <a:buFont typeface="Arial" pitchFamily="34" charset="0"/>
-              <a:buNone/>
-              <a:tabLst/>
-            </a:pPr>
-            <a:r>
-              <a:rPr lang="fr-BE" sz="2800" dirty="0">
-                <a:solidFill>
-                  <a:srgbClr val="808080"/>
-                </a:solidFill>
-                <a:latin typeface="Calibri" pitchFamily="34" charset="0"/>
-                <a:ea typeface="Calibri" pitchFamily="34" charset="0"/>
-                <a:cs typeface="Times New Roman" pitchFamily="18" charset="0"/>
-              </a:rPr>
-              <a:t>Du mardi et mercredi de 14h à 18h, Monsieur </a:t>
-            </a:r>
-            <a:r>
-              <a:rPr lang="fr-BE" sz="2800" dirty="0" err="1">
-                <a:solidFill>
-                  <a:srgbClr val="808080"/>
-                </a:solidFill>
-                <a:latin typeface="Calibri" pitchFamily="34" charset="0"/>
-                <a:ea typeface="Calibri" pitchFamily="34" charset="0"/>
-                <a:cs typeface="Times New Roman" pitchFamily="18" charset="0"/>
-              </a:rPr>
-              <a:t>Caufriez</a:t>
-            </a:r>
-            <a:r>
-              <a:rPr lang="fr-BE" sz="2800" dirty="0">
-                <a:solidFill>
-                  <a:srgbClr val="808080"/>
-                </a:solidFill>
-                <a:latin typeface="Calibri" pitchFamily="34" charset="0"/>
-                <a:ea typeface="Calibri" pitchFamily="34" charset="0"/>
-                <a:cs typeface="Times New Roman" pitchFamily="18" charset="0"/>
-              </a:rPr>
-              <a:t> se fera un plaisir de vous accueillir pour que vous puissiez réaliser vos projets.</a:t>
+              <a:t>Nous sommes ouvert à tous, la majorité des mercredis entre 18h et 20h.</a:t>
             </a:r>
           </a:p>
           <a:p>
@@ -20011,7 +20036,7 @@
             </a:pPr>
             <a:r>
               <a:rPr lang="fr-BE" dirty="0"/>
-              <a:t>Tension de fonctionnement: 1,8 V à 5,5 V </a:t>
+              <a:t>Tension de fonctionnement : 1,8 V à 5,5 V </a:t>
             </a:r>
           </a:p>
           <a:p>
@@ -21581,7 +21606,7 @@
                   <a:schemeClr val="tx1"/>
                 </a:solidFill>
               </a:rPr>
-              <a:t>Attiny</a:t>
+              <a:t>ATtiny</a:t>
             </a:r>
             <a:endParaRPr lang="fr-BE" sz="2400" b="1" dirty="0">
               <a:solidFill>
@@ -21618,7 +21643,7 @@
                   <a:schemeClr val="tx1"/>
                 </a:solidFill>
               </a:rPr>
-              <a:t>Trouver «</a:t>
+              <a:t>Rechercher «</a:t>
             </a:r>
             <a:r>
               <a:rPr lang="fr-BE" sz="2400" dirty="0" err="1">
@@ -21666,7 +21691,7 @@
                   <a:schemeClr val="tx1"/>
                 </a:solidFill>
               </a:rPr>
-              <a:t>Cliquer dessus et installer la version la plus récente (à ce jour 1.3.3)</a:t>
+              <a:t>Cliquer dessus et installer la version la plus récente (à ce jour 1.5.2)</a:t>
             </a:r>
           </a:p>
           <a:p>
